--- a/Final_Project_Budi/FinalProject_Budi_JCDS_JKT0506.pptx
+++ b/Final_Project_Budi/FinalProject_Budi_JCDS_JKT0506.pptx
@@ -9,13 +9,15 @@
     <p:sldId id="257" r:id="rId3"/>
     <p:sldId id="258" r:id="rId4"/>
     <p:sldId id="259" r:id="rId5"/>
-    <p:sldId id="260" r:id="rId6"/>
-    <p:sldId id="261" r:id="rId7"/>
-    <p:sldId id="262" r:id="rId8"/>
-    <p:sldId id="263" r:id="rId9"/>
-    <p:sldId id="264" r:id="rId10"/>
-    <p:sldId id="265" r:id="rId11"/>
-    <p:sldId id="266" r:id="rId12"/>
+    <p:sldId id="267" r:id="rId6"/>
+    <p:sldId id="260" r:id="rId7"/>
+    <p:sldId id="261" r:id="rId8"/>
+    <p:sldId id="262" r:id="rId9"/>
+    <p:sldId id="263" r:id="rId10"/>
+    <p:sldId id="264" r:id="rId11"/>
+    <p:sldId id="265" r:id="rId12"/>
+    <p:sldId id="266" r:id="rId13"/>
+    <p:sldId id="268" r:id="rId14"/>
   </p:sldIdLst>
   <p:sldSz cx="12192000" cy="6858000"/>
   <p:notesSz cx="6858000" cy="9144000"/>
@@ -114,6 +116,11 @@
       </a:defRPr>
     </a:lvl9pPr>
   </p:defaultTextStyle>
+  <p:extLst>
+    <p:ext uri="{EFAFB233-063F-42B5-8137-9DF3F51BA10A}">
+      <p15:sldGuideLst xmlns:p15="http://schemas.microsoft.com/office/powerpoint/2012/main"/>
+    </p:ext>
+  </p:extLst>
 </p:presentation>
 </file>
 
@@ -266,7 +273,7 @@
           <a:p>
             <a:fld id="{9168B772-3F70-41F5-B9C9-BF15058D160D}" type="datetimeFigureOut">
               <a:rPr lang="en-ID" smtClean="0"/>
-              <a:t>26/02/2021</a:t>
+              <a:t>01/03/2021</a:t>
             </a:fld>
             <a:endParaRPr lang="en-ID"/>
           </a:p>
@@ -466,7 +473,7 @@
           <a:p>
             <a:fld id="{9168B772-3F70-41F5-B9C9-BF15058D160D}" type="datetimeFigureOut">
               <a:rPr lang="en-ID" smtClean="0"/>
-              <a:t>26/02/2021</a:t>
+              <a:t>01/03/2021</a:t>
             </a:fld>
             <a:endParaRPr lang="en-ID"/>
           </a:p>
@@ -676,7 +683,7 @@
           <a:p>
             <a:fld id="{9168B772-3F70-41F5-B9C9-BF15058D160D}" type="datetimeFigureOut">
               <a:rPr lang="en-ID" smtClean="0"/>
-              <a:t>26/02/2021</a:t>
+              <a:t>01/03/2021</a:t>
             </a:fld>
             <a:endParaRPr lang="en-ID"/>
           </a:p>
@@ -876,7 +883,7 @@
           <a:p>
             <a:fld id="{9168B772-3F70-41F5-B9C9-BF15058D160D}" type="datetimeFigureOut">
               <a:rPr lang="en-ID" smtClean="0"/>
-              <a:t>26/02/2021</a:t>
+              <a:t>01/03/2021</a:t>
             </a:fld>
             <a:endParaRPr lang="en-ID"/>
           </a:p>
@@ -1152,7 +1159,7 @@
           <a:p>
             <a:fld id="{9168B772-3F70-41F5-B9C9-BF15058D160D}" type="datetimeFigureOut">
               <a:rPr lang="en-ID" smtClean="0"/>
-              <a:t>26/02/2021</a:t>
+              <a:t>01/03/2021</a:t>
             </a:fld>
             <a:endParaRPr lang="en-ID"/>
           </a:p>
@@ -1420,7 +1427,7 @@
           <a:p>
             <a:fld id="{9168B772-3F70-41F5-B9C9-BF15058D160D}" type="datetimeFigureOut">
               <a:rPr lang="en-ID" smtClean="0"/>
-              <a:t>26/02/2021</a:t>
+              <a:t>01/03/2021</a:t>
             </a:fld>
             <a:endParaRPr lang="en-ID"/>
           </a:p>
@@ -1835,7 +1842,7 @@
           <a:p>
             <a:fld id="{9168B772-3F70-41F5-B9C9-BF15058D160D}" type="datetimeFigureOut">
               <a:rPr lang="en-ID" smtClean="0"/>
-              <a:t>26/02/2021</a:t>
+              <a:t>01/03/2021</a:t>
             </a:fld>
             <a:endParaRPr lang="en-ID"/>
           </a:p>
@@ -1977,7 +1984,7 @@
           <a:p>
             <a:fld id="{9168B772-3F70-41F5-B9C9-BF15058D160D}" type="datetimeFigureOut">
               <a:rPr lang="en-ID" smtClean="0"/>
-              <a:t>26/02/2021</a:t>
+              <a:t>01/03/2021</a:t>
             </a:fld>
             <a:endParaRPr lang="en-ID"/>
           </a:p>
@@ -2090,7 +2097,7 @@
           <a:p>
             <a:fld id="{9168B772-3F70-41F5-B9C9-BF15058D160D}" type="datetimeFigureOut">
               <a:rPr lang="en-ID" smtClean="0"/>
-              <a:t>26/02/2021</a:t>
+              <a:t>01/03/2021</a:t>
             </a:fld>
             <a:endParaRPr lang="en-ID"/>
           </a:p>
@@ -2403,7 +2410,7 @@
           <a:p>
             <a:fld id="{9168B772-3F70-41F5-B9C9-BF15058D160D}" type="datetimeFigureOut">
               <a:rPr lang="en-ID" smtClean="0"/>
-              <a:t>26/02/2021</a:t>
+              <a:t>01/03/2021</a:t>
             </a:fld>
             <a:endParaRPr lang="en-ID"/>
           </a:p>
@@ -2692,7 +2699,7 @@
           <a:p>
             <a:fld id="{9168B772-3F70-41F5-B9C9-BF15058D160D}" type="datetimeFigureOut">
               <a:rPr lang="en-ID" smtClean="0"/>
-              <a:t>26/02/2021</a:t>
+              <a:t>01/03/2021</a:t>
             </a:fld>
             <a:endParaRPr lang="en-ID"/>
           </a:p>
@@ -2940,7 +2947,7 @@
           <a:p>
             <a:fld id="{9168B772-3F70-41F5-B9C9-BF15058D160D}" type="datetimeFigureOut">
               <a:rPr lang="en-ID" smtClean="0"/>
-              <a:t>26/02/2021</a:t>
+              <a:t>01/03/2021</a:t>
             </a:fld>
             <a:endParaRPr lang="en-ID"/>
           </a:p>
@@ -3541,7 +3548,7 @@
           <p:cNvPr id="2" name="Title 1">
             <a:extLst>
               <a:ext uri="{FF2B5EF4-FFF2-40B4-BE49-F238E27FC236}">
-                <a16:creationId xmlns:a16="http://schemas.microsoft.com/office/drawing/2014/main" id="{B8E06B23-A79B-4068-8BB5-F98FD9EA35C3}"/>
+                <a16:creationId xmlns:a16="http://schemas.microsoft.com/office/drawing/2014/main" id="{F9164817-EE83-499E-A498-8309E4023CA1}"/>
               </a:ext>
             </a:extLst>
           </p:cNvPr>
@@ -3566,7 +3573,7 @@
           <p:cNvPr id="5" name="Content Placeholder 4">
             <a:extLst>
               <a:ext uri="{FF2B5EF4-FFF2-40B4-BE49-F238E27FC236}">
-                <a16:creationId xmlns:a16="http://schemas.microsoft.com/office/drawing/2014/main" id="{DEE3DF09-C936-4583-974A-0C1EDE9C8849}"/>
+                <a16:creationId xmlns:a16="http://schemas.microsoft.com/office/drawing/2014/main" id="{CB36A377-C98F-44EA-B9ED-2418D46CA114}"/>
               </a:ext>
             </a:extLst>
           </p:cNvPr>
@@ -3591,15 +3598,15 @@
         </p:blipFill>
         <p:spPr>
           <a:xfrm>
-            <a:off x="1897348" y="351608"/>
-            <a:ext cx="7589590" cy="6141267"/>
+            <a:off x="371681" y="1941096"/>
+            <a:ext cx="11448638" cy="3628864"/>
           </a:xfrm>
         </p:spPr>
       </p:pic>
     </p:spTree>
     <p:extLst>
       <p:ext uri="{BB962C8B-B14F-4D97-AF65-F5344CB8AC3E}">
-        <p14:creationId xmlns:p14="http://schemas.microsoft.com/office/powerpoint/2010/main" val="3151285029"/>
+        <p14:creationId xmlns:p14="http://schemas.microsoft.com/office/powerpoint/2010/main" val="1383860962"/>
       </p:ext>
     </p:extLst>
   </p:cSld>
@@ -3631,6 +3638,96 @@
           <p:cNvPr id="2" name="Title 1">
             <a:extLst>
               <a:ext uri="{FF2B5EF4-FFF2-40B4-BE49-F238E27FC236}">
+                <a16:creationId xmlns:a16="http://schemas.microsoft.com/office/drawing/2014/main" id="{B8E06B23-A79B-4068-8BB5-F98FD9EA35C3}"/>
+              </a:ext>
+            </a:extLst>
+          </p:cNvPr>
+          <p:cNvSpPr>
+            <a:spLocks noGrp="1"/>
+          </p:cNvSpPr>
+          <p:nvPr>
+            <p:ph type="title"/>
+          </p:nvPr>
+        </p:nvSpPr>
+        <p:spPr/>
+        <p:txBody>
+          <a:bodyPr/>
+          <a:lstStyle/>
+          <a:p>
+            <a:endParaRPr lang="en-ID"/>
+          </a:p>
+        </p:txBody>
+      </p:sp>
+      <p:pic>
+        <p:nvPicPr>
+          <p:cNvPr id="5" name="Content Placeholder 4">
+            <a:extLst>
+              <a:ext uri="{FF2B5EF4-FFF2-40B4-BE49-F238E27FC236}">
+                <a16:creationId xmlns:a16="http://schemas.microsoft.com/office/drawing/2014/main" id="{DEE3DF09-C936-4583-974A-0C1EDE9C8849}"/>
+              </a:ext>
+            </a:extLst>
+          </p:cNvPr>
+          <p:cNvPicPr>
+            <a:picLocks noGrp="1" noChangeAspect="1"/>
+          </p:cNvPicPr>
+          <p:nvPr>
+            <p:ph idx="1"/>
+          </p:nvPr>
+        </p:nvPicPr>
+        <p:blipFill>
+          <a:blip r:embed="rId2">
+            <a:extLst>
+              <a:ext uri="{28A0092B-C50C-407E-A947-70E740481C1C}">
+                <a14:useLocalDpi xmlns:a14="http://schemas.microsoft.com/office/drawing/2010/main" val="0"/>
+              </a:ext>
+            </a:extLst>
+          </a:blip>
+          <a:stretch>
+            <a:fillRect/>
+          </a:stretch>
+        </p:blipFill>
+        <p:spPr>
+          <a:xfrm>
+            <a:off x="1897348" y="351608"/>
+            <a:ext cx="7589590" cy="6141267"/>
+          </a:xfrm>
+        </p:spPr>
+      </p:pic>
+    </p:spTree>
+    <p:extLst>
+      <p:ext uri="{BB962C8B-B14F-4D97-AF65-F5344CB8AC3E}">
+        <p14:creationId xmlns:p14="http://schemas.microsoft.com/office/powerpoint/2010/main" val="3151285029"/>
+      </p:ext>
+    </p:extLst>
+  </p:cSld>
+  <p:clrMapOvr>
+    <a:masterClrMapping/>
+  </p:clrMapOvr>
+</p:sld>
+</file>
+
+<file path=ppt/slides/slide12.xml><?xml version="1.0" encoding="utf-8"?>
+<p:sld xmlns:a="http://schemas.openxmlformats.org/drawingml/2006/main" xmlns:r="http://schemas.openxmlformats.org/officeDocument/2006/relationships" xmlns:p="http://schemas.openxmlformats.org/presentationml/2006/main">
+  <p:cSld>
+    <p:spTree>
+      <p:nvGrpSpPr>
+        <p:cNvPr id="1" name=""/>
+        <p:cNvGrpSpPr/>
+        <p:nvPr/>
+      </p:nvGrpSpPr>
+      <p:grpSpPr>
+        <a:xfrm>
+          <a:off x="0" y="0"/>
+          <a:ext cx="0" cy="0"/>
+          <a:chOff x="0" y="0"/>
+          <a:chExt cx="0" cy="0"/>
+        </a:xfrm>
+      </p:grpSpPr>
+      <p:sp>
+        <p:nvSpPr>
+          <p:cNvPr id="2" name="Title 1">
+            <a:extLst>
+              <a:ext uri="{FF2B5EF4-FFF2-40B4-BE49-F238E27FC236}">
                 <a16:creationId xmlns:a16="http://schemas.microsoft.com/office/drawing/2014/main" id="{AEFF00B2-991A-4551-8D03-49EF57239B98}"/>
               </a:ext>
             </a:extLst>
@@ -3726,6 +3823,107 @@
     <p:extLst>
       <p:ext uri="{BB962C8B-B14F-4D97-AF65-F5344CB8AC3E}">
         <p14:creationId xmlns:p14="http://schemas.microsoft.com/office/powerpoint/2010/main" val="3574175027"/>
+      </p:ext>
+    </p:extLst>
+  </p:cSld>
+  <p:clrMapOvr>
+    <a:masterClrMapping/>
+  </p:clrMapOvr>
+</p:sld>
+</file>
+
+<file path=ppt/slides/slide13.xml><?xml version="1.0" encoding="utf-8"?>
+<p:sld xmlns:a="http://schemas.openxmlformats.org/drawingml/2006/main" xmlns:r="http://schemas.openxmlformats.org/officeDocument/2006/relationships" xmlns:p="http://schemas.openxmlformats.org/presentationml/2006/main">
+  <p:cSld>
+    <p:spTree>
+      <p:nvGrpSpPr>
+        <p:cNvPr id="1" name=""/>
+        <p:cNvGrpSpPr/>
+        <p:nvPr/>
+      </p:nvGrpSpPr>
+      <p:grpSpPr>
+        <a:xfrm>
+          <a:off x="0" y="0"/>
+          <a:ext cx="0" cy="0"/>
+          <a:chOff x="0" y="0"/>
+          <a:chExt cx="0" cy="0"/>
+        </a:xfrm>
+      </p:grpSpPr>
+      <p:pic>
+        <p:nvPicPr>
+          <p:cNvPr id="5" name="Content Placeholder 4">
+            <a:extLst>
+              <a:ext uri="{FF2B5EF4-FFF2-40B4-BE49-F238E27FC236}">
+                <a16:creationId xmlns:a16="http://schemas.microsoft.com/office/drawing/2014/main" id="{D870820E-103A-49E1-A323-4D13F35B508E}"/>
+              </a:ext>
+            </a:extLst>
+          </p:cNvPr>
+          <p:cNvPicPr>
+            <a:picLocks noGrp="1" noChangeAspect="1"/>
+          </p:cNvPicPr>
+          <p:nvPr>
+            <p:ph idx="1"/>
+          </p:nvPr>
+        </p:nvPicPr>
+        <p:blipFill>
+          <a:blip r:embed="rId2">
+            <a:extLst>
+              <a:ext uri="{28A0092B-C50C-407E-A947-70E740481C1C}">
+                <a14:useLocalDpi xmlns:a14="http://schemas.microsoft.com/office/drawing/2010/main" val="0"/>
+              </a:ext>
+            </a:extLst>
+          </a:blip>
+          <a:stretch>
+            <a:fillRect/>
+          </a:stretch>
+        </p:blipFill>
+        <p:spPr>
+          <a:xfrm>
+            <a:off x="455968" y="509048"/>
+            <a:ext cx="4897283" cy="5299588"/>
+          </a:xfrm>
+        </p:spPr>
+      </p:pic>
+      <p:pic>
+        <p:nvPicPr>
+          <p:cNvPr id="7" name="Picture 6">
+            <a:extLst>
+              <a:ext uri="{FF2B5EF4-FFF2-40B4-BE49-F238E27FC236}">
+                <a16:creationId xmlns:a16="http://schemas.microsoft.com/office/drawing/2014/main" id="{EECFFDF6-D583-45D6-896A-C347F628471E}"/>
+              </a:ext>
+            </a:extLst>
+          </p:cNvPr>
+          <p:cNvPicPr>
+            <a:picLocks noChangeAspect="1"/>
+          </p:cNvPicPr>
+          <p:nvPr/>
+        </p:nvPicPr>
+        <p:blipFill>
+          <a:blip r:embed="rId3">
+            <a:extLst>
+              <a:ext uri="{28A0092B-C50C-407E-A947-70E740481C1C}">
+                <a14:useLocalDpi xmlns:a14="http://schemas.microsoft.com/office/drawing/2010/main" val="0"/>
+              </a:ext>
+            </a:extLst>
+          </a:blip>
+          <a:stretch>
+            <a:fillRect/>
+          </a:stretch>
+        </p:blipFill>
+        <p:spPr>
+          <a:xfrm>
+            <a:off x="5801092" y="820132"/>
+            <a:ext cx="5259350" cy="4845377"/>
+          </a:xfrm>
+          <a:prstGeom prst="rect">
+            <a:avLst/>
+          </a:prstGeom>
+        </p:spPr>
+      </p:pic>
+    </p:spTree>
+    <p:extLst>
+      <p:ext uri="{BB962C8B-B14F-4D97-AF65-F5344CB8AC3E}">
+        <p14:creationId xmlns:p14="http://schemas.microsoft.com/office/powerpoint/2010/main" val="286984013"/>
       </p:ext>
     </p:extLst>
   </p:cSld>
@@ -5363,22 +5561,6 @@
                   <a:schemeClr val="bg1"/>
                 </a:solidFill>
               </a:rPr>
-              <a:t>akan</a:t>
-            </a:r>
-            <a:r>
-              <a:rPr lang="en-ID" dirty="0">
-                <a:solidFill>
-                  <a:schemeClr val="bg1"/>
-                </a:solidFill>
-              </a:rPr>
-              <a:t> </a:t>
-            </a:r>
-            <a:r>
-              <a:rPr lang="en-ID" dirty="0" err="1">
-                <a:solidFill>
-                  <a:schemeClr val="bg1"/>
-                </a:solidFill>
-              </a:rPr>
               <a:t>terjual</a:t>
             </a:r>
             <a:r>
@@ -5606,6 +5788,319 @@
       </p:grpSpPr>
       <p:sp>
         <p:nvSpPr>
+          <p:cNvPr id="3" name="Subtitle 2">
+            <a:extLst>
+              <a:ext uri="{FF2B5EF4-FFF2-40B4-BE49-F238E27FC236}">
+                <a16:creationId xmlns:a16="http://schemas.microsoft.com/office/drawing/2014/main" id="{4DDC5337-1490-4241-BF2F-A8C971A2E899}"/>
+              </a:ext>
+            </a:extLst>
+          </p:cNvPr>
+          <p:cNvSpPr>
+            <a:spLocks noGrp="1"/>
+          </p:cNvSpPr>
+          <p:nvPr>
+            <p:ph type="subTitle" idx="1"/>
+          </p:nvPr>
+        </p:nvSpPr>
+        <p:spPr>
+          <a:xfrm>
+            <a:off x="1769097" y="1640264"/>
+            <a:ext cx="9144000" cy="3919194"/>
+          </a:xfrm>
+        </p:spPr>
+        <p:txBody>
+          <a:bodyPr>
+            <a:normAutofit fontScale="70000" lnSpcReduction="20000"/>
+          </a:bodyPr>
+          <a:lstStyle/>
+          <a:p>
+            <a:pPr algn="l"/>
+            <a:r>
+              <a:rPr lang="en-US" dirty="0">
+                <a:solidFill>
+                  <a:schemeClr val="bg1"/>
+                </a:solidFill>
+              </a:rPr>
+              <a:t>title = </a:t>
+            </a:r>
+            <a:r>
+              <a:rPr lang="en-US" dirty="0" err="1">
+                <a:solidFill>
+                  <a:schemeClr val="bg1"/>
+                </a:solidFill>
+              </a:rPr>
+              <a:t>transalated</a:t>
+            </a:r>
+            <a:r>
+              <a:rPr lang="en-US" dirty="0">
+                <a:solidFill>
+                  <a:schemeClr val="bg1"/>
+                </a:solidFill>
+              </a:rPr>
+              <a:t> title to French (data was scraped with </a:t>
+            </a:r>
+            <a:r>
+              <a:rPr lang="en-US" dirty="0" err="1">
+                <a:solidFill>
+                  <a:schemeClr val="bg1"/>
+                </a:solidFill>
+              </a:rPr>
+              <a:t>french</a:t>
+            </a:r>
+            <a:r>
+              <a:rPr lang="en-US" dirty="0">
+                <a:solidFill>
+                  <a:schemeClr val="bg1"/>
+                </a:solidFill>
+              </a:rPr>
+              <a:t> </a:t>
+            </a:r>
+            <a:r>
+              <a:rPr lang="en-US" dirty="0" err="1">
+                <a:solidFill>
+                  <a:schemeClr val="bg1"/>
+                </a:solidFill>
+              </a:rPr>
+              <a:t>localisation</a:t>
+            </a:r>
+            <a:r>
+              <a:rPr lang="en-US" dirty="0">
+                <a:solidFill>
+                  <a:schemeClr val="bg1"/>
+                </a:solidFill>
+              </a:rPr>
+              <a:t>)</a:t>
+            </a:r>
+          </a:p>
+          <a:p>
+            <a:pPr algn="l"/>
+            <a:r>
+              <a:rPr lang="en-US" dirty="0" err="1">
+                <a:solidFill>
+                  <a:schemeClr val="bg1"/>
+                </a:solidFill>
+              </a:rPr>
+              <a:t>title_orig</a:t>
+            </a:r>
+            <a:r>
+              <a:rPr lang="en-US" dirty="0">
+                <a:solidFill>
+                  <a:schemeClr val="bg1"/>
+                </a:solidFill>
+              </a:rPr>
+              <a:t> = original title</a:t>
+            </a:r>
+          </a:p>
+          <a:p>
+            <a:pPr algn="l"/>
+            <a:r>
+              <a:rPr lang="en-US" dirty="0">
+                <a:solidFill>
+                  <a:schemeClr val="bg1"/>
+                </a:solidFill>
+              </a:rPr>
+              <a:t>price = the "discounted price" that the user purchased the product for</a:t>
+            </a:r>
+          </a:p>
+          <a:p>
+            <a:pPr algn="l"/>
+            <a:r>
+              <a:rPr lang="en-US" dirty="0" err="1">
+                <a:solidFill>
+                  <a:schemeClr val="bg1"/>
+                </a:solidFill>
+              </a:rPr>
+              <a:t>retail_price</a:t>
+            </a:r>
+            <a:r>
+              <a:rPr lang="en-US" dirty="0">
+                <a:solidFill>
+                  <a:schemeClr val="bg1"/>
+                </a:solidFill>
+              </a:rPr>
+              <a:t> = the original price that is displayed as the RRP</a:t>
+            </a:r>
+          </a:p>
+          <a:p>
+            <a:pPr algn="l"/>
+            <a:r>
+              <a:rPr lang="en-US" dirty="0" err="1">
+                <a:solidFill>
+                  <a:schemeClr val="bg1"/>
+                </a:solidFill>
+              </a:rPr>
+              <a:t>uses_ad_boosts</a:t>
+            </a:r>
+            <a:r>
+              <a:rPr lang="en-US" dirty="0">
+                <a:solidFill>
+                  <a:schemeClr val="bg1"/>
+                </a:solidFill>
+              </a:rPr>
+              <a:t> = whether the ad was boosted for specific users to see for extra price</a:t>
+            </a:r>
+          </a:p>
+          <a:p>
+            <a:pPr algn="l"/>
+            <a:r>
+              <a:rPr lang="en-US" dirty="0">
+                <a:solidFill>
+                  <a:schemeClr val="bg1"/>
+                </a:solidFill>
+              </a:rPr>
+              <a:t>rating = rating of the product (5 is the max)</a:t>
+            </a:r>
+          </a:p>
+          <a:p>
+            <a:pPr algn="l"/>
+            <a:r>
+              <a:rPr lang="en-US" dirty="0" err="1">
+                <a:solidFill>
+                  <a:schemeClr val="bg1"/>
+                </a:solidFill>
+              </a:rPr>
+              <a:t>rating_count</a:t>
+            </a:r>
+            <a:r>
+              <a:rPr lang="en-US" dirty="0">
+                <a:solidFill>
+                  <a:schemeClr val="bg1"/>
+                </a:solidFill>
+              </a:rPr>
+              <a:t> = number of ratings left (broken down into count by per star, 1-5)</a:t>
+            </a:r>
+          </a:p>
+          <a:p>
+            <a:pPr algn="l"/>
+            <a:r>
+              <a:rPr lang="en-US" dirty="0" err="1">
+                <a:solidFill>
+                  <a:schemeClr val="bg1"/>
+                </a:solidFill>
+              </a:rPr>
+              <a:t>badges_count</a:t>
+            </a:r>
+            <a:r>
+              <a:rPr lang="en-US" dirty="0">
+                <a:solidFill>
+                  <a:schemeClr val="bg1"/>
+                </a:solidFill>
+              </a:rPr>
+              <a:t> = all the badges columns are what Wish as a platform gives to the product, whether it is a local product, has fast shipping, or guarantees product quality</a:t>
+            </a:r>
+          </a:p>
+          <a:p>
+            <a:pPr algn="l"/>
+            <a:r>
+              <a:rPr lang="en-US" dirty="0">
+                <a:solidFill>
+                  <a:schemeClr val="bg1"/>
+                </a:solidFill>
+              </a:rPr>
+              <a:t>tags = the tags that the merchant put on the product separated by commas (does not guarantee that the product is actually in that category)</a:t>
+            </a:r>
+          </a:p>
+          <a:p>
+            <a:pPr algn="l"/>
+            <a:r>
+              <a:rPr lang="en-US" dirty="0">
+                <a:solidFill>
+                  <a:schemeClr val="bg1"/>
+                </a:solidFill>
+              </a:rPr>
+              <a:t>*</a:t>
+            </a:r>
+            <a:r>
+              <a:rPr lang="en-US" dirty="0" err="1">
+                <a:solidFill>
+                  <a:schemeClr val="bg1"/>
+                </a:solidFill>
+              </a:rPr>
+              <a:t>has_urgency_banner</a:t>
+            </a:r>
+            <a:r>
+              <a:rPr lang="en-US" dirty="0">
+                <a:solidFill>
+                  <a:schemeClr val="bg1"/>
+                </a:solidFill>
+              </a:rPr>
+              <a:t> = whether it specifies the listing as urgent</a:t>
+            </a:r>
+          </a:p>
+          <a:p>
+            <a:pPr algn="l"/>
+            <a:r>
+              <a:rPr lang="en-US" dirty="0" err="1">
+                <a:solidFill>
+                  <a:schemeClr val="bg1"/>
+                </a:solidFill>
+              </a:rPr>
+              <a:t>urgency_text</a:t>
+            </a:r>
+            <a:r>
+              <a:rPr lang="en-US" dirty="0">
+                <a:solidFill>
+                  <a:schemeClr val="bg1"/>
+                </a:solidFill>
+              </a:rPr>
+              <a:t> = the text specified on the urgency banner, e.g. "Limited Quality" or "Almost gone", </a:t>
+            </a:r>
+            <a:r>
+              <a:rPr lang="en-US" dirty="0" err="1">
+                <a:solidFill>
+                  <a:schemeClr val="bg1"/>
+                </a:solidFill>
+              </a:rPr>
+              <a:t>etc</a:t>
+            </a:r>
+            <a:r>
+              <a:rPr lang="en-US" dirty="0">
+                <a:solidFill>
+                  <a:schemeClr val="bg1"/>
+                </a:solidFill>
+              </a:rPr>
+              <a:t> on the listing</a:t>
+            </a:r>
+            <a:endParaRPr lang="en-ID" dirty="0">
+              <a:solidFill>
+                <a:schemeClr val="bg1"/>
+              </a:solidFill>
+            </a:endParaRPr>
+          </a:p>
+        </p:txBody>
+      </p:sp>
+    </p:spTree>
+    <p:extLst>
+      <p:ext uri="{BB962C8B-B14F-4D97-AF65-F5344CB8AC3E}">
+        <p14:creationId xmlns:p14="http://schemas.microsoft.com/office/powerpoint/2010/main" val="1212754162"/>
+      </p:ext>
+    </p:extLst>
+  </p:cSld>
+  <p:clrMapOvr>
+    <a:masterClrMapping/>
+  </p:clrMapOvr>
+</p:sld>
+</file>
+
+<file path=ppt/slides/slide6.xml><?xml version="1.0" encoding="utf-8"?>
+<p:sld xmlns:a="http://schemas.openxmlformats.org/drawingml/2006/main" xmlns:r="http://schemas.openxmlformats.org/officeDocument/2006/relationships" xmlns:p="http://schemas.openxmlformats.org/presentationml/2006/main">
+  <p:cSld>
+    <p:spTree>
+      <p:nvGrpSpPr>
+        <p:cNvPr id="1" name=""/>
+        <p:cNvGrpSpPr/>
+        <p:nvPr/>
+      </p:nvGrpSpPr>
+      <p:grpSpPr>
+        <a:xfrm>
+          <a:off x="0" y="0"/>
+          <a:ext cx="0" cy="0"/>
+          <a:chOff x="0" y="0"/>
+          <a:chExt cx="0" cy="0"/>
+        </a:xfrm>
+      </p:grpSpPr>
+      <p:sp>
+        <p:nvSpPr>
           <p:cNvPr id="2" name="Title 1">
             <a:extLst>
               <a:ext uri="{FF2B5EF4-FFF2-40B4-BE49-F238E27FC236}">
@@ -5732,7 +6227,7 @@
 </p:sld>
 </file>
 
-<file path=ppt/slides/slide6.xml><?xml version="1.0" encoding="utf-8"?>
+<file path=ppt/slides/slide7.xml><?xml version="1.0" encoding="utf-8"?>
 <p:sld xmlns:a="http://schemas.openxmlformats.org/drawingml/2006/main" xmlns:r="http://schemas.openxmlformats.org/officeDocument/2006/relationships" xmlns:p="http://schemas.openxmlformats.org/presentationml/2006/main">
   <p:cSld>
     <p:spTree>
@@ -5822,7 +6317,7 @@
 </p:sld>
 </file>
 
-<file path=ppt/slides/slide7.xml><?xml version="1.0" encoding="utf-8"?>
+<file path=ppt/slides/slide8.xml><?xml version="1.0" encoding="utf-8"?>
 <p:sld xmlns:a="http://schemas.openxmlformats.org/drawingml/2006/main" xmlns:r="http://schemas.openxmlformats.org/officeDocument/2006/relationships" xmlns:p="http://schemas.openxmlformats.org/presentationml/2006/main">
   <p:cSld>
     <p:spTree>
@@ -5948,96 +6443,6 @@
 </p:sld>
 </file>
 
-<file path=ppt/slides/slide8.xml><?xml version="1.0" encoding="utf-8"?>
-<p:sld xmlns:a="http://schemas.openxmlformats.org/drawingml/2006/main" xmlns:r="http://schemas.openxmlformats.org/officeDocument/2006/relationships" xmlns:p="http://schemas.openxmlformats.org/presentationml/2006/main">
-  <p:cSld>
-    <p:spTree>
-      <p:nvGrpSpPr>
-        <p:cNvPr id="1" name=""/>
-        <p:cNvGrpSpPr/>
-        <p:nvPr/>
-      </p:nvGrpSpPr>
-      <p:grpSpPr>
-        <a:xfrm>
-          <a:off x="0" y="0"/>
-          <a:ext cx="0" cy="0"/>
-          <a:chOff x="0" y="0"/>
-          <a:chExt cx="0" cy="0"/>
-        </a:xfrm>
-      </p:grpSpPr>
-      <p:sp>
-        <p:nvSpPr>
-          <p:cNvPr id="2" name="Title 1">
-            <a:extLst>
-              <a:ext uri="{FF2B5EF4-FFF2-40B4-BE49-F238E27FC236}">
-                <a16:creationId xmlns:a16="http://schemas.microsoft.com/office/drawing/2014/main" id="{706E71C2-9FF8-4C61-930D-761E0B5DC83B}"/>
-              </a:ext>
-            </a:extLst>
-          </p:cNvPr>
-          <p:cNvSpPr>
-            <a:spLocks noGrp="1"/>
-          </p:cNvSpPr>
-          <p:nvPr>
-            <p:ph type="title"/>
-          </p:nvPr>
-        </p:nvSpPr>
-        <p:spPr/>
-        <p:txBody>
-          <a:bodyPr/>
-          <a:lstStyle/>
-          <a:p>
-            <a:endParaRPr lang="en-ID"/>
-          </a:p>
-        </p:txBody>
-      </p:sp>
-      <p:pic>
-        <p:nvPicPr>
-          <p:cNvPr id="5" name="Content Placeholder 4">
-            <a:extLst>
-              <a:ext uri="{FF2B5EF4-FFF2-40B4-BE49-F238E27FC236}">
-                <a16:creationId xmlns:a16="http://schemas.microsoft.com/office/drawing/2014/main" id="{B92082D5-4B2B-4313-8CA0-5AC50CBA9F23}"/>
-              </a:ext>
-            </a:extLst>
-          </p:cNvPr>
-          <p:cNvPicPr>
-            <a:picLocks noGrp="1" noChangeAspect="1"/>
-          </p:cNvPicPr>
-          <p:nvPr>
-            <p:ph idx="1"/>
-          </p:nvPr>
-        </p:nvPicPr>
-        <p:blipFill>
-          <a:blip r:embed="rId2">
-            <a:extLst>
-              <a:ext uri="{28A0092B-C50C-407E-A947-70E740481C1C}">
-                <a14:useLocalDpi xmlns:a14="http://schemas.microsoft.com/office/drawing/2010/main" val="0"/>
-              </a:ext>
-            </a:extLst>
-          </a:blip>
-          <a:stretch>
-            <a:fillRect/>
-          </a:stretch>
-        </p:blipFill>
-        <p:spPr>
-          <a:xfrm>
-            <a:off x="1427772" y="1417972"/>
-            <a:ext cx="8482238" cy="4402174"/>
-          </a:xfrm>
-        </p:spPr>
-      </p:pic>
-    </p:spTree>
-    <p:extLst>
-      <p:ext uri="{BB962C8B-B14F-4D97-AF65-F5344CB8AC3E}">
-        <p14:creationId xmlns:p14="http://schemas.microsoft.com/office/powerpoint/2010/main" val="1689698269"/>
-      </p:ext>
-    </p:extLst>
-  </p:cSld>
-  <p:clrMapOvr>
-    <a:masterClrMapping/>
-  </p:clrMapOvr>
-</p:sld>
-</file>
-
 <file path=ppt/slides/slide9.xml><?xml version="1.0" encoding="utf-8"?>
 <p:sld xmlns:a="http://schemas.openxmlformats.org/drawingml/2006/main" xmlns:r="http://schemas.openxmlformats.org/officeDocument/2006/relationships" xmlns:p="http://schemas.openxmlformats.org/presentationml/2006/main">
   <p:cSld>
@@ -6060,7 +6465,7 @@
           <p:cNvPr id="2" name="Title 1">
             <a:extLst>
               <a:ext uri="{FF2B5EF4-FFF2-40B4-BE49-F238E27FC236}">
-                <a16:creationId xmlns:a16="http://schemas.microsoft.com/office/drawing/2014/main" id="{F9164817-EE83-499E-A498-8309E4023CA1}"/>
+                <a16:creationId xmlns:a16="http://schemas.microsoft.com/office/drawing/2014/main" id="{706E71C2-9FF8-4C61-930D-761E0B5DC83B}"/>
               </a:ext>
             </a:extLst>
           </p:cNvPr>
@@ -6085,7 +6490,7 @@
           <p:cNvPr id="5" name="Content Placeholder 4">
             <a:extLst>
               <a:ext uri="{FF2B5EF4-FFF2-40B4-BE49-F238E27FC236}">
-                <a16:creationId xmlns:a16="http://schemas.microsoft.com/office/drawing/2014/main" id="{CB36A377-C98F-44EA-B9ED-2418D46CA114}"/>
+                <a16:creationId xmlns:a16="http://schemas.microsoft.com/office/drawing/2014/main" id="{B92082D5-4B2B-4313-8CA0-5AC50CBA9F23}"/>
               </a:ext>
             </a:extLst>
           </p:cNvPr>
@@ -6110,15 +6515,15 @@
         </p:blipFill>
         <p:spPr>
           <a:xfrm>
-            <a:off x="371681" y="1941096"/>
-            <a:ext cx="11448638" cy="3628864"/>
+            <a:off x="1427772" y="1417972"/>
+            <a:ext cx="8482238" cy="4402174"/>
           </a:xfrm>
         </p:spPr>
       </p:pic>
     </p:spTree>
     <p:extLst>
       <p:ext uri="{BB962C8B-B14F-4D97-AF65-F5344CB8AC3E}">
-        <p14:creationId xmlns:p14="http://schemas.microsoft.com/office/powerpoint/2010/main" val="1383860962"/>
+        <p14:creationId xmlns:p14="http://schemas.microsoft.com/office/powerpoint/2010/main" val="1689698269"/>
       </p:ext>
     </p:extLst>
   </p:cSld>
